--- a/docs/presentation/Предсказание оттока клиентов.pptx
+++ b/docs/presentation/Предсказание оттока клиентов.pptx
@@ -13,7 +13,10 @@
     <p:sldId id="264" r:id="rId7"/>
     <p:sldId id="265" r:id="rId8"/>
     <p:sldId id="266" r:id="rId9"/>
-    <p:sldId id="257" r:id="rId10"/>
+    <p:sldId id="267" r:id="rId10"/>
+    <p:sldId id="268" r:id="rId11"/>
+    <p:sldId id="269" r:id="rId12"/>
+    <p:sldId id="257" r:id="rId13"/>
   </p:sldIdLst>
   <p:sldSz cx="12192000" cy="6858000"/>
   <p:notesSz cx="6858000" cy="9144000"/>
@@ -845,7 +848,7 @@
             <a:fld id="{B61BEF0D-F0BB-DE4B-95CE-6DB70DBA9567}" type="datetimeFigureOut">
               <a:rPr lang="en-US" dirty="0"/>
               <a:pPr/>
-              <a:t>12/13/2025</a:t>
+              <a:t>12/14/2025</a:t>
             </a:fld>
             <a:endParaRPr lang="en-US" dirty="0"/>
           </a:p>
@@ -1093,7 +1096,7 @@
             <a:fld id="{B61BEF0D-F0BB-DE4B-95CE-6DB70DBA9567}" type="datetimeFigureOut">
               <a:rPr lang="en-US" dirty="0"/>
               <a:pPr/>
-              <a:t>12/13/2025</a:t>
+              <a:t>12/14/2025</a:t>
             </a:fld>
             <a:endParaRPr lang="en-US" dirty="0"/>
           </a:p>
@@ -1404,7 +1407,7 @@
             <a:fld id="{B61BEF0D-F0BB-DE4B-95CE-6DB70DBA9567}" type="datetimeFigureOut">
               <a:rPr lang="en-US" dirty="0"/>
               <a:pPr/>
-              <a:t>12/13/2025</a:t>
+              <a:t>12/14/2025</a:t>
             </a:fld>
             <a:endParaRPr lang="en-US" dirty="0"/>
           </a:p>
@@ -1728,7 +1731,7 @@
             <a:fld id="{B61BEF0D-F0BB-DE4B-95CE-6DB70DBA9567}" type="datetimeFigureOut">
               <a:rPr lang="en-US" dirty="0"/>
               <a:pPr/>
-              <a:t>12/13/2025</a:t>
+              <a:t>12/14/2025</a:t>
             </a:fld>
             <a:endParaRPr lang="en-US" dirty="0"/>
           </a:p>
@@ -2039,7 +2042,7 @@
             <a:fld id="{B61BEF0D-F0BB-DE4B-95CE-6DB70DBA9567}" type="datetimeFigureOut">
               <a:rPr lang="en-US" dirty="0"/>
               <a:pPr/>
-              <a:t>12/13/2025</a:t>
+              <a:t>12/14/2025</a:t>
             </a:fld>
             <a:endParaRPr lang="en-US" dirty="0"/>
           </a:p>
@@ -2423,7 +2426,7 @@
             <a:fld id="{B61BEF0D-F0BB-DE4B-95CE-6DB70DBA9567}" type="datetimeFigureOut">
               <a:rPr lang="en-US" dirty="0"/>
               <a:pPr/>
-              <a:t>12/13/2025</a:t>
+              <a:t>12/14/2025</a:t>
             </a:fld>
             <a:endParaRPr lang="en-US" dirty="0"/>
           </a:p>
@@ -2589,7 +2592,7 @@
           <a:p>
             <a:fld id="{55C6B4A9-1611-4792-9094-5F34BCA07E0B}" type="datetimeFigureOut">
               <a:rPr lang="en-US" dirty="0"/>
-              <a:t>12/13/2025</a:t>
+              <a:t>12/14/2025</a:t>
             </a:fld>
             <a:endParaRPr lang="en-US" dirty="0"/>
           </a:p>
@@ -2765,7 +2768,7 @@
             <a:fld id="{B61BEF0D-F0BB-DE4B-95CE-6DB70DBA9567}" type="datetimeFigureOut">
               <a:rPr lang="en-US" dirty="0"/>
               <a:pPr/>
-              <a:t>12/13/2025</a:t>
+              <a:t>12/14/2025</a:t>
             </a:fld>
             <a:endParaRPr lang="en-US" dirty="0"/>
           </a:p>
@@ -2938,7 +2941,7 @@
             <a:fld id="{B61BEF0D-F0BB-DE4B-95CE-6DB70DBA9567}" type="datetimeFigureOut">
               <a:rPr lang="en-US" dirty="0"/>
               <a:pPr/>
-              <a:t>12/13/2025</a:t>
+              <a:t>12/14/2025</a:t>
             </a:fld>
             <a:endParaRPr lang="en-US" dirty="0"/>
           </a:p>
@@ -3182,7 +3185,7 @@
             <a:fld id="{B61BEF0D-F0BB-DE4B-95CE-6DB70DBA9567}" type="datetimeFigureOut">
               <a:rPr lang="en-US" dirty="0"/>
               <a:pPr/>
-              <a:t>12/13/2025</a:t>
+              <a:t>12/14/2025</a:t>
             </a:fld>
             <a:endParaRPr lang="en-US" dirty="0"/>
           </a:p>
@@ -3410,7 +3413,7 @@
           <a:p>
             <a:fld id="{EB712588-04B1-427B-82EE-E8DB90309F08}" type="datetimeFigureOut">
               <a:rPr lang="en-US" dirty="0"/>
-              <a:t>12/13/2025</a:t>
+              <a:t>12/14/2025</a:t>
             </a:fld>
             <a:endParaRPr lang="en-US" dirty="0"/>
           </a:p>
@@ -3780,7 +3783,7 @@
             <a:fld id="{B61BEF0D-F0BB-DE4B-95CE-6DB70DBA9567}" type="datetimeFigureOut">
               <a:rPr lang="en-US" dirty="0"/>
               <a:pPr/>
-              <a:t>12/13/2025</a:t>
+              <a:t>12/14/2025</a:t>
             </a:fld>
             <a:endParaRPr lang="en-US" dirty="0"/>
           </a:p>
@@ -3900,7 +3903,7 @@
             <a:fld id="{B61BEF0D-F0BB-DE4B-95CE-6DB70DBA9567}" type="datetimeFigureOut">
               <a:rPr lang="en-US" dirty="0"/>
               <a:pPr/>
-              <a:t>12/13/2025</a:t>
+              <a:t>12/14/2025</a:t>
             </a:fld>
             <a:endParaRPr lang="en-US" dirty="0"/>
           </a:p>
@@ -3992,7 +3995,7 @@
             <a:fld id="{B61BEF0D-F0BB-DE4B-95CE-6DB70DBA9567}" type="datetimeFigureOut">
               <a:rPr lang="en-US" dirty="0"/>
               <a:pPr/>
-              <a:t>12/13/2025</a:t>
+              <a:t>12/14/2025</a:t>
             </a:fld>
             <a:endParaRPr lang="en-US" dirty="0"/>
           </a:p>
@@ -4243,7 +4246,7 @@
           <a:p>
             <a:fld id="{42A54C80-263E-416B-A8E0-580EDEADCBDC}" type="datetimeFigureOut">
               <a:rPr lang="en-US" dirty="0"/>
-              <a:t>12/13/2025</a:t>
+              <a:t>12/14/2025</a:t>
             </a:fld>
             <a:endParaRPr lang="en-US" dirty="0"/>
           </a:p>
@@ -4502,7 +4505,7 @@
             <a:fld id="{B61BEF0D-F0BB-DE4B-95CE-6DB70DBA9567}" type="datetimeFigureOut">
               <a:rPr lang="en-US" dirty="0"/>
               <a:pPr/>
-              <a:t>12/13/2025</a:t>
+              <a:t>12/14/2025</a:t>
             </a:fld>
             <a:endParaRPr lang="en-US" dirty="0"/>
           </a:p>
@@ -5244,7 +5247,7 @@
             <a:fld id="{B61BEF0D-F0BB-DE4B-95CE-6DB70DBA9567}" type="datetimeFigureOut">
               <a:rPr lang="en-US" dirty="0"/>
               <a:pPr/>
-              <a:t>12/13/2025</a:t>
+              <a:t>12/14/2025</a:t>
             </a:fld>
             <a:endParaRPr lang="en-US" dirty="0"/>
           </a:p>
@@ -5823,6 +5826,291 @@
 </p:sld>
 </file>
 
+<file path=ppt/slides/slide10.xml><?xml version="1.0" encoding="utf-8"?>
+<p:sld xmlns:a="http://schemas.openxmlformats.org/drawingml/2006/main" xmlns:r="http://schemas.openxmlformats.org/officeDocument/2006/relationships" xmlns:p="http://schemas.openxmlformats.org/presentationml/2006/main">
+  <p:cSld>
+    <p:spTree>
+      <p:nvGrpSpPr>
+        <p:cNvPr id="1" name=""/>
+        <p:cNvGrpSpPr/>
+        <p:nvPr/>
+      </p:nvGrpSpPr>
+      <p:grpSpPr>
+        <a:xfrm>
+          <a:off x="0" y="0"/>
+          <a:ext cx="0" cy="0"/>
+          <a:chOff x="0" y="0"/>
+          <a:chExt cx="0" cy="0"/>
+        </a:xfrm>
+      </p:grpSpPr>
+      <p:sp>
+        <p:nvSpPr>
+          <p:cNvPr id="2" name="Заголовок 1"/>
+          <p:cNvSpPr>
+            <a:spLocks noGrp="1"/>
+          </p:cNvSpPr>
+          <p:nvPr>
+            <p:ph type="title"/>
+          </p:nvPr>
+        </p:nvSpPr>
+        <p:spPr/>
+        <p:txBody>
+          <a:bodyPr/>
+          <a:lstStyle/>
+          <a:p>
+            <a:r>
+              <a:rPr lang="en-US" dirty="0" smtClean="0"/>
+              <a:t>API</a:t>
+            </a:r>
+            <a:endParaRPr lang="ru-RU" dirty="0"/>
+          </a:p>
+        </p:txBody>
+      </p:sp>
+      <p:pic>
+        <p:nvPicPr>
+          <p:cNvPr id="3" name="Рисунок 2"/>
+          <p:cNvPicPr>
+            <a:picLocks noChangeAspect="1"/>
+          </p:cNvPicPr>
+          <p:nvPr/>
+        </p:nvPicPr>
+        <p:blipFill>
+          <a:blip r:embed="rId2"/>
+          <a:stretch>
+            <a:fillRect/>
+          </a:stretch>
+        </p:blipFill>
+        <p:spPr>
+          <a:xfrm>
+            <a:off x="677334" y="1824830"/>
+            <a:ext cx="4705350" cy="1476375"/>
+          </a:xfrm>
+          <a:prstGeom prst="rect">
+            <a:avLst/>
+          </a:prstGeom>
+        </p:spPr>
+      </p:pic>
+      <p:pic>
+        <p:nvPicPr>
+          <p:cNvPr id="4" name="Рисунок 3"/>
+          <p:cNvPicPr>
+            <a:picLocks noChangeAspect="1"/>
+          </p:cNvPicPr>
+          <p:nvPr/>
+        </p:nvPicPr>
+        <p:blipFill rotWithShape="1">
+          <a:blip r:embed="rId3"/>
+          <a:srcRect t="6162"/>
+          <a:stretch/>
+        </p:blipFill>
+        <p:spPr>
+          <a:xfrm>
+            <a:off x="6494520" y="1688112"/>
+            <a:ext cx="3895725" cy="840177"/>
+          </a:xfrm>
+          <a:prstGeom prst="rect">
+            <a:avLst/>
+          </a:prstGeom>
+        </p:spPr>
+      </p:pic>
+      <p:pic>
+        <p:nvPicPr>
+          <p:cNvPr id="5" name="Рисунок 4"/>
+          <p:cNvPicPr>
+            <a:picLocks noChangeAspect="1"/>
+          </p:cNvPicPr>
+          <p:nvPr/>
+        </p:nvPicPr>
+        <p:blipFill>
+          <a:blip r:embed="rId4"/>
+          <a:stretch>
+            <a:fillRect/>
+          </a:stretch>
+        </p:blipFill>
+        <p:spPr>
+          <a:xfrm>
+            <a:off x="1649262" y="4516435"/>
+            <a:ext cx="3562350" cy="1171575"/>
+          </a:xfrm>
+          <a:prstGeom prst="rect">
+            <a:avLst/>
+          </a:prstGeom>
+        </p:spPr>
+      </p:pic>
+      <p:pic>
+        <p:nvPicPr>
+          <p:cNvPr id="6" name="Рисунок 5"/>
+          <p:cNvPicPr>
+            <a:picLocks noChangeAspect="1"/>
+          </p:cNvPicPr>
+          <p:nvPr/>
+        </p:nvPicPr>
+        <p:blipFill>
+          <a:blip r:embed="rId5"/>
+          <a:stretch>
+            <a:fillRect/>
+          </a:stretch>
+        </p:blipFill>
+        <p:spPr>
+          <a:xfrm>
+            <a:off x="6699670" y="3301205"/>
+            <a:ext cx="4210050" cy="2286000"/>
+          </a:xfrm>
+          <a:prstGeom prst="rect">
+            <a:avLst/>
+          </a:prstGeom>
+        </p:spPr>
+      </p:pic>
+    </p:spTree>
+    <p:extLst>
+      <p:ext uri="{BB962C8B-B14F-4D97-AF65-F5344CB8AC3E}">
+        <p14:creationId xmlns:p14="http://schemas.microsoft.com/office/powerpoint/2010/main" val="4214560567"/>
+      </p:ext>
+    </p:extLst>
+  </p:cSld>
+  <p:clrMapOvr>
+    <a:masterClrMapping/>
+  </p:clrMapOvr>
+</p:sld>
+</file>
+
+<file path=ppt/slides/slide11.xml><?xml version="1.0" encoding="utf-8"?>
+<p:sld xmlns:a="http://schemas.openxmlformats.org/drawingml/2006/main" xmlns:r="http://schemas.openxmlformats.org/officeDocument/2006/relationships" xmlns:p="http://schemas.openxmlformats.org/presentationml/2006/main">
+  <p:cSld>
+    <p:spTree>
+      <p:nvGrpSpPr>
+        <p:cNvPr id="1" name=""/>
+        <p:cNvGrpSpPr/>
+        <p:nvPr/>
+      </p:nvGrpSpPr>
+      <p:grpSpPr>
+        <a:xfrm>
+          <a:off x="0" y="0"/>
+          <a:ext cx="0" cy="0"/>
+          <a:chOff x="0" y="0"/>
+          <a:chExt cx="0" cy="0"/>
+        </a:xfrm>
+      </p:grpSpPr>
+      <p:sp>
+        <p:nvSpPr>
+          <p:cNvPr id="2" name="Заголовок 1"/>
+          <p:cNvSpPr>
+            <a:spLocks noGrp="1"/>
+          </p:cNvSpPr>
+          <p:nvPr>
+            <p:ph type="title"/>
+          </p:nvPr>
+        </p:nvSpPr>
+        <p:spPr/>
+        <p:txBody>
+          <a:bodyPr/>
+          <a:lstStyle/>
+          <a:p>
+            <a:r>
+              <a:rPr lang="en-US" dirty="0" smtClean="0"/>
+              <a:t>Docker</a:t>
+            </a:r>
+            <a:endParaRPr lang="ru-RU" dirty="0"/>
+          </a:p>
+        </p:txBody>
+      </p:sp>
+      <p:pic>
+        <p:nvPicPr>
+          <p:cNvPr id="3" name="Рисунок 2"/>
+          <p:cNvPicPr>
+            <a:picLocks noChangeAspect="1"/>
+          </p:cNvPicPr>
+          <p:nvPr/>
+        </p:nvPicPr>
+        <p:blipFill>
+          <a:blip r:embed="rId2"/>
+          <a:stretch>
+            <a:fillRect/>
+          </a:stretch>
+        </p:blipFill>
+        <p:spPr>
+          <a:xfrm>
+            <a:off x="2716243" y="1474308"/>
+            <a:ext cx="6362700" cy="4772025"/>
+          </a:xfrm>
+          <a:prstGeom prst="rect">
+            <a:avLst/>
+          </a:prstGeom>
+        </p:spPr>
+      </p:pic>
+    </p:spTree>
+    <p:extLst>
+      <p:ext uri="{BB962C8B-B14F-4D97-AF65-F5344CB8AC3E}">
+        <p14:creationId xmlns:p14="http://schemas.microsoft.com/office/powerpoint/2010/main" val="234860679"/>
+      </p:ext>
+    </p:extLst>
+  </p:cSld>
+  <p:clrMapOvr>
+    <a:masterClrMapping/>
+  </p:clrMapOvr>
+</p:sld>
+</file>
+
+<file path=ppt/slides/slide12.xml><?xml version="1.0" encoding="utf-8"?>
+<p:sld xmlns:a="http://schemas.openxmlformats.org/drawingml/2006/main" xmlns:r="http://schemas.openxmlformats.org/officeDocument/2006/relationships" xmlns:p="http://schemas.openxmlformats.org/presentationml/2006/main">
+  <p:cSld>
+    <p:spTree>
+      <p:nvGrpSpPr>
+        <p:cNvPr id="1" name=""/>
+        <p:cNvGrpSpPr/>
+        <p:nvPr/>
+      </p:nvGrpSpPr>
+      <p:grpSpPr>
+        <a:xfrm>
+          <a:off x="0" y="0"/>
+          <a:ext cx="0" cy="0"/>
+          <a:chOff x="0" y="0"/>
+          <a:chExt cx="0" cy="0"/>
+        </a:xfrm>
+      </p:grpSpPr>
+      <p:sp>
+        <p:nvSpPr>
+          <p:cNvPr id="2" name="TextBox 1"/>
+          <p:cNvSpPr txBox="1"/>
+          <p:nvPr/>
+        </p:nvSpPr>
+        <p:spPr>
+          <a:xfrm>
+            <a:off x="1915065" y="2700069"/>
+            <a:ext cx="8077852" cy="1015663"/>
+          </a:xfrm>
+          <a:prstGeom prst="rect">
+            <a:avLst/>
+          </a:prstGeom>
+          <a:noFill/>
+        </p:spPr>
+        <p:txBody>
+          <a:bodyPr wrap="none" rtlCol="0">
+            <a:spAutoFit/>
+          </a:bodyPr>
+          <a:lstStyle/>
+          <a:p>
+            <a:r>
+              <a:rPr lang="ru-RU" sz="6000" dirty="0" smtClean="0"/>
+              <a:t>Спасибо за внимание!</a:t>
+            </a:r>
+            <a:endParaRPr lang="ru-RU" sz="6000" dirty="0"/>
+          </a:p>
+        </p:txBody>
+      </p:sp>
+    </p:spTree>
+    <p:extLst>
+      <p:ext uri="{BB962C8B-B14F-4D97-AF65-F5344CB8AC3E}">
+        <p14:creationId xmlns:p14="http://schemas.microsoft.com/office/powerpoint/2010/main" val="2145527305"/>
+      </p:ext>
+    </p:extLst>
+  </p:cSld>
+  <p:clrMapOvr>
+    <a:masterClrMapping/>
+  </p:clrMapOvr>
+</p:sld>
+</file>
+
 <file path=ppt/slides/slide2.xml><?xml version="1.0" encoding="utf-8"?>
 <p:sld xmlns:a="http://schemas.openxmlformats.org/drawingml/2006/main" xmlns:r="http://schemas.openxmlformats.org/officeDocument/2006/relationships" xmlns:p="http://schemas.openxmlformats.org/presentationml/2006/main">
   <p:cSld>
@@ -5871,7 +6159,7 @@
         </p:nvSpPr>
         <p:spPr>
           <a:xfrm>
-            <a:off x="677334" y="3180450"/>
+            <a:off x="677334" y="3304675"/>
             <a:ext cx="9044636" cy="1200329"/>
           </a:xfrm>
           <a:prstGeom prst="rect">
@@ -5899,7 +6187,7 @@
         </p:nvSpPr>
         <p:spPr>
           <a:xfrm>
-            <a:off x="677334" y="4617372"/>
+            <a:off x="677334" y="4643326"/>
             <a:ext cx="9803760" cy="646331"/>
           </a:xfrm>
           <a:prstGeom prst="rect">
@@ -5943,7 +6231,7 @@
         </p:nvSpPr>
         <p:spPr>
           <a:xfrm>
-            <a:off x="677334" y="1189531"/>
+            <a:off x="677334" y="1426124"/>
             <a:ext cx="9182658" cy="1754326"/>
           </a:xfrm>
           <a:prstGeom prst="rect">
@@ -6016,6 +6304,100 @@
           </a:p>
         </p:txBody>
       </p:sp>
+      <p:sp>
+        <p:nvSpPr>
+          <p:cNvPr id="3" name="Прямоугольник 2"/>
+          <p:cNvSpPr/>
+          <p:nvPr/>
+        </p:nvSpPr>
+        <p:spPr>
+          <a:xfrm>
+            <a:off x="677334" y="1498938"/>
+            <a:ext cx="9665738" cy="1200329"/>
+          </a:xfrm>
+          <a:prstGeom prst="rect">
+            <a:avLst/>
+          </a:prstGeom>
+        </p:spPr>
+        <p:txBody>
+          <a:bodyPr wrap="square">
+            <a:spAutoFit/>
+          </a:bodyPr>
+          <a:lstStyle/>
+          <a:p>
+            <a:r>
+              <a:rPr lang="ru-RU" dirty="0"/>
+              <a:t>1.	</a:t>
+            </a:r>
+            <a:r>
+              <a:rPr lang="ru-RU" dirty="0" err="1"/>
+              <a:t>Precision</a:t>
+            </a:r>
+            <a:r>
+              <a:rPr lang="ru-RU" dirty="0"/>
+              <a:t> не менее 0.70 (важно не беспокоить лояльных клиентов)</a:t>
+            </a:r>
+          </a:p>
+          <a:p>
+            <a:r>
+              <a:rPr lang="ru-RU" dirty="0"/>
+              <a:t>2.	</a:t>
+            </a:r>
+            <a:r>
+              <a:rPr lang="ru-RU" dirty="0" err="1"/>
+              <a:t>Recall</a:t>
+            </a:r>
+            <a:r>
+              <a:rPr lang="ru-RU" dirty="0"/>
+              <a:t> не менее 0.65 (важно выявить большинство потенциальных оттоков) </a:t>
+            </a:r>
+          </a:p>
+          <a:p>
+            <a:r>
+              <a:rPr lang="ru-RU" dirty="0"/>
+              <a:t>3.	Модель должна объяснять свои предсказания (интерпретируемость) </a:t>
+            </a:r>
+          </a:p>
+          <a:p>
+            <a:r>
+              <a:rPr lang="ru-RU" dirty="0"/>
+              <a:t>4.	Время </a:t>
+            </a:r>
+            <a:r>
+              <a:rPr lang="ru-RU" dirty="0" err="1"/>
+              <a:t>инференса</a:t>
+            </a:r>
+            <a:r>
+              <a:rPr lang="ru-RU" dirty="0"/>
+              <a:t>: &lt; 100ms на одного клиента</a:t>
+            </a:r>
+          </a:p>
+        </p:txBody>
+      </p:sp>
+      <p:pic>
+        <p:nvPicPr>
+          <p:cNvPr id="5" name="Рисунок 4"/>
+          <p:cNvPicPr>
+            <a:picLocks noChangeAspect="1"/>
+          </p:cNvPicPr>
+          <p:nvPr/>
+        </p:nvPicPr>
+        <p:blipFill>
+          <a:blip r:embed="rId2"/>
+          <a:stretch>
+            <a:fillRect/>
+          </a:stretch>
+        </p:blipFill>
+        <p:spPr>
+          <a:xfrm>
+            <a:off x="4106173" y="3209025"/>
+            <a:ext cx="3416061" cy="3416061"/>
+          </a:xfrm>
+          <a:prstGeom prst="rect">
+            <a:avLst/>
+          </a:prstGeom>
+        </p:spPr>
+      </p:pic>
     </p:spTree>
     <p:extLst>
       <p:ext uri="{BB962C8B-B14F-4D97-AF65-F5344CB8AC3E}">
@@ -6293,8 +6675,32 @@
         </p:blipFill>
         <p:spPr>
           <a:xfrm>
-            <a:off x="1563046" y="1270000"/>
-            <a:ext cx="8952554" cy="5349039"/>
+            <a:off x="5921508" y="840227"/>
+            <a:ext cx="5922560" cy="3538656"/>
+          </a:xfrm>
+          <a:prstGeom prst="rect">
+            <a:avLst/>
+          </a:prstGeom>
+        </p:spPr>
+      </p:pic>
+      <p:pic>
+        <p:nvPicPr>
+          <p:cNvPr id="7" name="Рисунок 6"/>
+          <p:cNvPicPr>
+            <a:picLocks noChangeAspect="1"/>
+          </p:cNvPicPr>
+          <p:nvPr/>
+        </p:nvPicPr>
+        <p:blipFill>
+          <a:blip r:embed="rId3"/>
+          <a:stretch>
+            <a:fillRect/>
+          </a:stretch>
+        </p:blipFill>
+        <p:spPr>
+          <a:xfrm>
+            <a:off x="459373" y="2805543"/>
+            <a:ext cx="6158574" cy="3681521"/>
           </a:xfrm>
           <a:prstGeom prst="rect">
             <a:avLst/>
@@ -6370,7 +6776,7 @@
         </p:blipFill>
         <p:spPr>
           <a:xfrm>
-            <a:off x="2310106" y="4186686"/>
+            <a:off x="1827026" y="4169433"/>
             <a:ext cx="7651368" cy="2517911"/>
           </a:xfrm>
           <a:prstGeom prst="rect">
@@ -6463,16 +6869,38 @@
           </p:cNvPicPr>
           <p:nvPr/>
         </p:nvPicPr>
-        <p:blipFill>
+        <p:blipFill rotWithShape="1">
           <a:blip r:embed="rId2"/>
-          <a:stretch>
-            <a:fillRect/>
-          </a:stretch>
+          <a:srcRect r="28720"/>
+          <a:stretch/>
         </p:blipFill>
         <p:spPr>
           <a:xfrm>
-            <a:off x="1779373" y="1270000"/>
-            <a:ext cx="8601397" cy="5139227"/>
+            <a:off x="1046129" y="1451155"/>
+            <a:ext cx="6131050" cy="5139227"/>
+          </a:xfrm>
+          <a:prstGeom prst="rect">
+            <a:avLst/>
+          </a:prstGeom>
+        </p:spPr>
+      </p:pic>
+      <p:pic>
+        <p:nvPicPr>
+          <p:cNvPr id="4" name="Рисунок 3"/>
+          <p:cNvPicPr>
+            <a:picLocks noChangeAspect="1"/>
+          </p:cNvPicPr>
+          <p:nvPr/>
+        </p:nvPicPr>
+        <p:blipFill rotWithShape="1">
+          <a:blip r:embed="rId3"/>
+          <a:srcRect l="71495" b="50205"/>
+          <a:stretch/>
+        </p:blipFill>
+        <p:spPr>
+          <a:xfrm>
+            <a:off x="8146911" y="2027208"/>
+            <a:ext cx="3479522" cy="3631722"/>
           </a:xfrm>
           <a:prstGeom prst="rect">
             <a:avLst/>
@@ -6636,38 +7064,109 @@
       </p:grpSpPr>
       <p:sp>
         <p:nvSpPr>
-          <p:cNvPr id="2" name="TextBox 1"/>
-          <p:cNvSpPr txBox="1"/>
+          <p:cNvPr id="2" name="Заголовок 1"/>
+          <p:cNvSpPr>
+            <a:spLocks noGrp="1"/>
+          </p:cNvSpPr>
+          <p:nvPr>
+            <p:ph type="title"/>
+          </p:nvPr>
+        </p:nvSpPr>
+        <p:spPr/>
+        <p:txBody>
+          <a:bodyPr/>
+          <a:lstStyle/>
+          <a:p>
+            <a:r>
+              <a:rPr lang="ru-RU" dirty="0" smtClean="0"/>
+              <a:t>Тестирование</a:t>
+            </a:r>
+            <a:endParaRPr lang="ru-RU" dirty="0"/>
+          </a:p>
+        </p:txBody>
+      </p:sp>
+      <p:pic>
+        <p:nvPicPr>
+          <p:cNvPr id="3" name="Рисунок 2"/>
+          <p:cNvPicPr>
+            <a:picLocks noChangeAspect="1"/>
+          </p:cNvPicPr>
           <p:nvPr/>
-        </p:nvSpPr>
+        </p:nvPicPr>
+        <p:blipFill>
+          <a:blip r:embed="rId2">
+            <a:extLst>
+              <a:ext uri="{28A0092B-C50C-407E-A947-70E740481C1C}">
+                <a14:useLocalDpi xmlns:a14="http://schemas.microsoft.com/office/drawing/2010/main" val="0"/>
+              </a:ext>
+            </a:extLst>
+          </a:blip>
+          <a:stretch>
+            <a:fillRect/>
+          </a:stretch>
+        </p:blipFill>
         <p:spPr>
           <a:xfrm>
-            <a:off x="1915065" y="2700069"/>
-            <a:ext cx="8077852" cy="1015663"/>
+            <a:off x="1558127" y="2216989"/>
+            <a:ext cx="9484348" cy="2621689"/>
           </a:xfrm>
           <a:prstGeom prst="rect">
             <a:avLst/>
           </a:prstGeom>
-          <a:noFill/>
         </p:spPr>
-        <p:txBody>
-          <a:bodyPr wrap="none" rtlCol="0">
-            <a:spAutoFit/>
-          </a:bodyPr>
-          <a:lstStyle/>
-          <a:p>
-            <a:r>
-              <a:rPr lang="ru-RU" sz="6000" dirty="0" smtClean="0"/>
-              <a:t>Спасибо за внимание!</a:t>
-            </a:r>
-            <a:endParaRPr lang="ru-RU" sz="6000" dirty="0"/>
+      </p:pic>
+      <p:sp>
+        <p:nvSpPr>
+          <p:cNvPr id="4" name="Прямоугольник 3"/>
+          <p:cNvSpPr/>
+          <p:nvPr/>
+        </p:nvSpPr>
+        <p:spPr>
+          <a:xfrm>
+            <a:off x="1794294" y="2216989"/>
+            <a:ext cx="2147978" cy="189781"/>
+          </a:xfrm>
+          <a:prstGeom prst="rect">
+            <a:avLst/>
+          </a:prstGeom>
+          <a:solidFill>
+            <a:schemeClr val="bg1"/>
+          </a:solidFill>
+          <a:ln>
+            <a:solidFill>
+              <a:schemeClr val="bg1"/>
+            </a:solidFill>
+          </a:ln>
+        </p:spPr>
+        <p:style>
+          <a:lnRef idx="2">
+            <a:schemeClr val="accent1">
+              <a:shade val="50000"/>
+            </a:schemeClr>
+          </a:lnRef>
+          <a:fillRef idx="1">
+            <a:schemeClr val="accent1"/>
+          </a:fillRef>
+          <a:effectRef idx="0">
+            <a:schemeClr val="accent1"/>
+          </a:effectRef>
+          <a:fontRef idx="minor">
+            <a:schemeClr val="lt1"/>
+          </a:fontRef>
+        </p:style>
+        <p:txBody>
+          <a:bodyPr rtlCol="0" anchor="ctr"/>
+          <a:lstStyle/>
+          <a:p>
+            <a:pPr algn="ctr"/>
+            <a:endParaRPr lang="ru-RU"/>
           </a:p>
         </p:txBody>
       </p:sp>
     </p:spTree>
     <p:extLst>
       <p:ext uri="{BB962C8B-B14F-4D97-AF65-F5344CB8AC3E}">
-        <p14:creationId xmlns:p14="http://schemas.microsoft.com/office/powerpoint/2010/main" val="2145527305"/>
+        <p14:creationId xmlns:p14="http://schemas.microsoft.com/office/powerpoint/2010/main" val="563185626"/>
       </p:ext>
     </p:extLst>
   </p:cSld>

--- a/docs/presentation/Предсказание оттока клиентов.pptx
+++ b/docs/presentation/Предсказание оттока клиентов.pptx
@@ -6218,8 +6218,17 @@
             </a:r>
             <a:r>
               <a:rPr lang="ru-RU" dirty="0"/>
-              <a:t>ML-модель, способную по признакам клиента вычислить вероятность его оттока в заданный временной горизонт</a:t>
-            </a:r>
+              <a:t>ML-модель, способную по признакам клиента вычислить вероятность </a:t>
+            </a:r>
+            <a:r>
+              <a:rPr lang="ru-RU"/>
+              <a:t>его </a:t>
+            </a:r>
+            <a:r>
+              <a:rPr lang="ru-RU" smtClean="0"/>
+              <a:t>оттока</a:t>
+            </a:r>
+            <a:endParaRPr lang="ru-RU" dirty="0"/>
           </a:p>
         </p:txBody>
       </p:sp>
